--- a/Minor Project 1/Detailed overview of COVID-19 for Delhi.pptx
+++ b/Minor Project 1/Detailed overview of COVID-19 for Delhi.pptx
@@ -7,8 +7,9 @@
   <p:sldIdLst>
     <p:sldId id="256" r:id="rId2"/>
     <p:sldId id="257" r:id="rId3"/>
-    <p:sldId id="258" r:id="rId4"/>
-    <p:sldId id="259" r:id="rId5"/>
+    <p:sldId id="260" r:id="rId4"/>
+    <p:sldId id="258" r:id="rId5"/>
+    <p:sldId id="259" r:id="rId6"/>
   </p:sldIdLst>
   <p:sldSz cx="9144000" cy="6858000" type="screen4x3"/>
   <p:notesSz cx="6858000" cy="9144000"/>
@@ -768,7 +769,8 @@
           <a:p>
             <a:fld id="{7DE11A29-53A8-4F41-BE39-4B22621F898B}" type="datetimeFigureOut">
               <a:rPr lang="en-IN" smtClean="0"/>
-              <a:t>25-07-2020</a:t>
+              <a:pPr/>
+              <a:t>30-07-2020</a:t>
             </a:fld>
             <a:endParaRPr lang="en-IN"/>
           </a:p>
@@ -828,6 +830,7 @@
           <a:p>
             <a:fld id="{624A12D0-ABCF-4D2B-BB9E-93B3F3FA5862}" type="slidenum">
               <a:rPr lang="en-IN" smtClean="0"/>
+              <a:pPr/>
               <a:t>‹#›</a:t>
             </a:fld>
             <a:endParaRPr lang="en-IN"/>
@@ -951,7 +954,8 @@
           <a:p>
             <a:fld id="{7DE11A29-53A8-4F41-BE39-4B22621F898B}" type="datetimeFigureOut">
               <a:rPr lang="en-IN" smtClean="0"/>
-              <a:t>25-07-2020</a:t>
+              <a:pPr/>
+              <a:t>30-07-2020</a:t>
             </a:fld>
             <a:endParaRPr lang="en-IN"/>
           </a:p>
@@ -993,6 +997,7 @@
           <a:p>
             <a:fld id="{624A12D0-ABCF-4D2B-BB9E-93B3F3FA5862}" type="slidenum">
               <a:rPr lang="en-IN" smtClean="0"/>
+              <a:pPr/>
               <a:t>‹#›</a:t>
             </a:fld>
             <a:endParaRPr lang="en-IN"/>
@@ -1126,7 +1131,8 @@
           <a:p>
             <a:fld id="{7DE11A29-53A8-4F41-BE39-4B22621F898B}" type="datetimeFigureOut">
               <a:rPr lang="en-IN" smtClean="0"/>
-              <a:t>25-07-2020</a:t>
+              <a:pPr/>
+              <a:t>30-07-2020</a:t>
             </a:fld>
             <a:endParaRPr lang="en-IN"/>
           </a:p>
@@ -1168,6 +1174,7 @@
           <a:p>
             <a:fld id="{624A12D0-ABCF-4D2B-BB9E-93B3F3FA5862}" type="slidenum">
               <a:rPr lang="en-IN" smtClean="0"/>
+              <a:pPr/>
               <a:t>‹#›</a:t>
             </a:fld>
             <a:endParaRPr lang="en-IN"/>
@@ -1291,7 +1298,8 @@
           <a:p>
             <a:fld id="{7DE11A29-53A8-4F41-BE39-4B22621F898B}" type="datetimeFigureOut">
               <a:rPr lang="en-IN" smtClean="0"/>
-              <a:t>25-07-2020</a:t>
+              <a:pPr/>
+              <a:t>30-07-2020</a:t>
             </a:fld>
             <a:endParaRPr lang="en-IN"/>
           </a:p>
@@ -1333,6 +1341,7 @@
           <a:p>
             <a:fld id="{624A12D0-ABCF-4D2B-BB9E-93B3F3FA5862}" type="slidenum">
               <a:rPr lang="en-IN" smtClean="0"/>
+              <a:pPr/>
               <a:t>‹#›</a:t>
             </a:fld>
             <a:endParaRPr lang="en-IN"/>
@@ -1512,7 +1521,8 @@
           <a:p>
             <a:fld id="{7DE11A29-53A8-4F41-BE39-4B22621F898B}" type="datetimeFigureOut">
               <a:rPr lang="en-IN" smtClean="0"/>
-              <a:t>25-07-2020</a:t>
+              <a:pPr/>
+              <a:t>30-07-2020</a:t>
             </a:fld>
             <a:endParaRPr lang="en-IN"/>
           </a:p>
@@ -1554,6 +1564,7 @@
           <a:p>
             <a:fld id="{624A12D0-ABCF-4D2B-BB9E-93B3F3FA5862}" type="slidenum">
               <a:rPr lang="en-IN" smtClean="0"/>
+              <a:pPr/>
               <a:t>‹#›</a:t>
             </a:fld>
             <a:endParaRPr lang="en-IN"/>
@@ -1771,7 +1782,8 @@
           <a:p>
             <a:fld id="{7DE11A29-53A8-4F41-BE39-4B22621F898B}" type="datetimeFigureOut">
               <a:rPr lang="en-IN" smtClean="0"/>
-              <a:t>25-07-2020</a:t>
+              <a:pPr/>
+              <a:t>30-07-2020</a:t>
             </a:fld>
             <a:endParaRPr lang="en-IN"/>
           </a:p>
@@ -1813,6 +1825,7 @@
           <a:p>
             <a:fld id="{624A12D0-ABCF-4D2B-BB9E-93B3F3FA5862}" type="slidenum">
               <a:rPr lang="en-IN" smtClean="0"/>
+              <a:pPr/>
               <a:t>‹#›</a:t>
             </a:fld>
             <a:endParaRPr lang="en-IN"/>
@@ -2175,7 +2188,8 @@
           <a:p>
             <a:fld id="{7DE11A29-53A8-4F41-BE39-4B22621F898B}" type="datetimeFigureOut">
               <a:rPr lang="en-IN" smtClean="0"/>
-              <a:t>25-07-2020</a:t>
+              <a:pPr/>
+              <a:t>30-07-2020</a:t>
             </a:fld>
             <a:endParaRPr lang="en-IN"/>
           </a:p>
@@ -2198,6 +2212,7 @@
           <a:p>
             <a:fld id="{624A12D0-ABCF-4D2B-BB9E-93B3F3FA5862}" type="slidenum">
               <a:rPr lang="en-IN" smtClean="0"/>
+              <a:pPr/>
               <a:t>‹#›</a:t>
             </a:fld>
             <a:endParaRPr lang="en-IN"/>
@@ -2306,7 +2321,8 @@
           <a:p>
             <a:fld id="{7DE11A29-53A8-4F41-BE39-4B22621F898B}" type="datetimeFigureOut">
               <a:rPr lang="en-IN" smtClean="0"/>
-              <a:t>25-07-2020</a:t>
+              <a:pPr/>
+              <a:t>30-07-2020</a:t>
             </a:fld>
             <a:endParaRPr lang="en-IN"/>
           </a:p>
@@ -2358,6 +2374,7 @@
           <a:p>
             <a:fld id="{624A12D0-ABCF-4D2B-BB9E-93B3F3FA5862}" type="slidenum">
               <a:rPr lang="en-IN" smtClean="0"/>
+              <a:pPr/>
               <a:t>‹#›</a:t>
             </a:fld>
             <a:endParaRPr lang="en-IN"/>
@@ -2406,7 +2423,8 @@
           <a:p>
             <a:fld id="{7DE11A29-53A8-4F41-BE39-4B22621F898B}" type="datetimeFigureOut">
               <a:rPr lang="en-IN" smtClean="0"/>
-              <a:t>25-07-2020</a:t>
+              <a:pPr/>
+              <a:t>30-07-2020</a:t>
             </a:fld>
             <a:endParaRPr lang="en-IN"/>
           </a:p>
@@ -2448,6 +2466,7 @@
           <a:p>
             <a:fld id="{624A12D0-ABCF-4D2B-BB9E-93B3F3FA5862}" type="slidenum">
               <a:rPr lang="en-IN" smtClean="0"/>
+              <a:pPr/>
               <a:t>‹#›</a:t>
             </a:fld>
             <a:endParaRPr lang="en-IN"/>
@@ -2651,7 +2670,8 @@
           <a:p>
             <a:fld id="{7DE11A29-53A8-4F41-BE39-4B22621F898B}" type="datetimeFigureOut">
               <a:rPr lang="en-IN" smtClean="0"/>
-              <a:t>25-07-2020</a:t>
+              <a:pPr/>
+              <a:t>30-07-2020</a:t>
             </a:fld>
             <a:endParaRPr lang="en-IN"/>
           </a:p>
@@ -2693,6 +2713,7 @@
           <a:p>
             <a:fld id="{624A12D0-ABCF-4D2B-BB9E-93B3F3FA5862}" type="slidenum">
               <a:rPr lang="en-IN" smtClean="0"/>
+              <a:pPr/>
               <a:t>‹#›</a:t>
             </a:fld>
             <a:endParaRPr lang="en-IN"/>
@@ -2895,7 +2916,8 @@
           <a:p>
             <a:fld id="{7DE11A29-53A8-4F41-BE39-4B22621F898B}" type="datetimeFigureOut">
               <a:rPr lang="en-IN" smtClean="0"/>
-              <a:t>25-07-2020</a:t>
+              <a:pPr/>
+              <a:t>30-07-2020</a:t>
             </a:fld>
             <a:endParaRPr lang="en-IN"/>
           </a:p>
@@ -2937,6 +2959,7 @@
           <a:p>
             <a:fld id="{624A12D0-ABCF-4D2B-BB9E-93B3F3FA5862}" type="slidenum">
               <a:rPr lang="en-IN" smtClean="0"/>
+              <a:pPr/>
               <a:t>‹#›</a:t>
             </a:fld>
             <a:endParaRPr lang="en-IN"/>
@@ -3725,7 +3748,8 @@
           <a:p>
             <a:fld id="{7DE11A29-53A8-4F41-BE39-4B22621F898B}" type="datetimeFigureOut">
               <a:rPr lang="en-IN" smtClean="0"/>
-              <a:t>25-07-2020</a:t>
+              <a:pPr/>
+              <a:t>30-07-2020</a:t>
             </a:fld>
             <a:endParaRPr lang="en-IN"/>
           </a:p>
@@ -3799,6 +3823,7 @@
           <a:p>
             <a:fld id="{624A12D0-ABCF-4D2B-BB9E-93B3F3FA5862}" type="slidenum">
               <a:rPr lang="en-IN" smtClean="0"/>
+              <a:pPr/>
               <a:t>‹#›</a:t>
             </a:fld>
             <a:endParaRPr lang="en-IN"/>
@@ -4153,16 +4178,7 @@
                 </a:solidFill>
                 <a:latin typeface="Bahnschrift SemiBold" panose="020B0502040204020203" pitchFamily="34" charset="0"/>
               </a:rPr>
-              <a:t>Detailed overview of </a:t>
-            </a:r>
-            <a:r>
-              <a:rPr lang="en-US" sz="4000" spc="-50" dirty="0" smtClean="0">
-                <a:solidFill>
-                  <a:prstClr val="white"/>
-                </a:solidFill>
-                <a:latin typeface="Bahnschrift SemiBold" panose="020B0502040204020203" pitchFamily="34" charset="0"/>
-              </a:rPr>
-              <a:t>COVID-19 for Delhi</a:t>
+              <a:t>Detailed overview of COVID-19 for Delhi</a:t>
             </a:r>
             <a:endParaRPr lang="en-IN" dirty="0"/>
           </a:p>
@@ -4191,10 +4207,14 @@
           <a:lstStyle/>
           <a:p>
             <a:r>
-              <a:rPr lang="en-IN" sz="2800" dirty="0" smtClean="0"/>
+              <a:rPr lang="en-IN" sz="2800" dirty="0" smtClean="0">
+                <a:latin typeface="Bahnschrift Light" pitchFamily="34" charset="0"/>
+              </a:rPr>
               <a:t>Prepared by Shreyansh Sharma</a:t>
             </a:r>
-            <a:endParaRPr lang="en-IN" sz="2800" dirty="0"/>
+            <a:endParaRPr lang="en-IN" sz="2800" dirty="0">
+              <a:latin typeface="Bahnschrift Light" pitchFamily="34" charset="0"/>
+            </a:endParaRPr>
           </a:p>
         </p:txBody>
       </p:sp>
@@ -4203,6 +4223,13 @@
   <p:clrMapOvr>
     <a:masterClrMapping/>
   </p:clrMapOvr>
+  <p:timing>
+    <p:tnLst>
+      <p:par>
+        <p:cTn id="1" dur="indefinite" restart="never" nodeType="tmRoot"/>
+      </p:par>
+    </p:tnLst>
+  </p:timing>
 </p:sld>
 </file>
 
@@ -4235,7 +4262,7 @@
         </p:nvSpPr>
         <p:spPr>
           <a:xfrm>
-            <a:off x="323528" y="620688"/>
+            <a:off x="251520" y="764704"/>
             <a:ext cx="8229600" cy="1143000"/>
           </a:xfrm>
         </p:spPr>
@@ -4267,13 +4294,11 @@
       </p:sp>
       <p:pic>
         <p:nvPicPr>
-          <p:cNvPr id="4" name="Content Placeholder 3" descr="bargraph1.png"/>
+          <p:cNvPr id="9" name="Picture 8" descr="plot1.png"/>
           <p:cNvPicPr>
-            <a:picLocks noGrp="1" noChangeAspect="1"/>
+            <a:picLocks noChangeAspect="1"/>
           </p:cNvPicPr>
-          <p:nvPr>
-            <p:ph idx="1"/>
-          </p:nvPr>
+          <p:nvPr/>
         </p:nvPicPr>
         <p:blipFill>
           <a:blip r:embed="rId2" cstate="print"/>
@@ -4283,53 +4308,8 @@
         </p:blipFill>
         <p:spPr>
           <a:xfrm>
-            <a:off x="179512" y="4056688"/>
-            <a:ext cx="4496498" cy="2801312"/>
-          </a:xfrm>
-        </p:spPr>
-      </p:pic>
-      <p:pic>
-        <p:nvPicPr>
-          <p:cNvPr id="5" name="Content Placeholder 3" descr="Datewise analysis of cases.png"/>
-          <p:cNvPicPr>
-            <a:picLocks noChangeAspect="1"/>
-          </p:cNvPicPr>
-          <p:nvPr/>
-        </p:nvPicPr>
-        <p:blipFill>
-          <a:blip r:embed="rId3" cstate="print"/>
-          <a:stretch>
-            <a:fillRect/>
-          </a:stretch>
-        </p:blipFill>
-        <p:spPr>
-          <a:xfrm>
-            <a:off x="1331640" y="1340768"/>
-            <a:ext cx="6861448" cy="2744579"/>
-          </a:xfrm>
-          <a:prstGeom prst="rect">
-            <a:avLst/>
-          </a:prstGeom>
-        </p:spPr>
-      </p:pic>
-      <p:pic>
-        <p:nvPicPr>
-          <p:cNvPr id="6" name="Content Placeholder 5" descr="piechart1.png"/>
-          <p:cNvPicPr>
-            <a:picLocks noChangeAspect="1"/>
-          </p:cNvPicPr>
-          <p:nvPr/>
-        </p:nvPicPr>
-        <p:blipFill>
-          <a:blip r:embed="rId4" cstate="print"/>
-          <a:stretch>
-            <a:fillRect/>
-          </a:stretch>
-        </p:blipFill>
-        <p:spPr>
-          <a:xfrm>
-            <a:off x="5004048" y="4077072"/>
-            <a:ext cx="3641222" cy="2483126"/>
+            <a:off x="323528" y="2060848"/>
+            <a:ext cx="8258810" cy="3871317"/>
           </a:xfrm>
           <a:prstGeom prst="rect">
             <a:avLst/>
@@ -4341,6 +4321,13 @@
   <p:clrMapOvr>
     <a:masterClrMapping/>
   </p:clrMapOvr>
+  <p:timing>
+    <p:tnLst>
+      <p:par>
+        <p:cTn id="1" dur="indefinite" restart="never" nodeType="tmRoot"/>
+      </p:par>
+    </p:tnLst>
+  </p:timing>
 </p:sld>
 </file>
 
@@ -4373,6 +4360,125 @@
         </p:nvSpPr>
         <p:spPr>
           <a:xfrm>
+            <a:off x="395536" y="548680"/>
+            <a:ext cx="8229600" cy="1066800"/>
+          </a:xfrm>
+        </p:spPr>
+        <p:txBody>
+          <a:bodyPr>
+            <a:noAutofit/>
+          </a:bodyPr>
+          <a:lstStyle/>
+          <a:p>
+            <a:r>
+              <a:rPr lang="en-IN" sz="2400" dirty="0" smtClean="0">
+                <a:latin typeface="AvantGarde Md BT" pitchFamily="34" charset="0"/>
+                <a:cs typeface="Arial" pitchFamily="34" charset="0"/>
+              </a:rPr>
+              <a:t>Delhi COVID-19 DASHBOARD for Honourable Chief Minister </a:t>
+            </a:r>
+            <a:br>
+              <a:rPr lang="en-IN" sz="2400" dirty="0" smtClean="0">
+                <a:latin typeface="AvantGarde Md BT" pitchFamily="34" charset="0"/>
+                <a:cs typeface="Arial" pitchFamily="34" charset="0"/>
+              </a:rPr>
+            </a:br>
+            <a:endParaRPr lang="en-IN" sz="2400" dirty="0"/>
+          </a:p>
+        </p:txBody>
+      </p:sp>
+      <p:pic>
+        <p:nvPicPr>
+          <p:cNvPr id="7" name="Picture 6" descr="pie chart MP.png"/>
+          <p:cNvPicPr>
+            <a:picLocks noChangeAspect="1"/>
+          </p:cNvPicPr>
+          <p:nvPr/>
+        </p:nvPicPr>
+        <p:blipFill>
+          <a:blip r:embed="rId2" cstate="print"/>
+          <a:stretch>
+            <a:fillRect/>
+          </a:stretch>
+        </p:blipFill>
+        <p:spPr>
+          <a:xfrm>
+            <a:off x="5409827" y="4077072"/>
+            <a:ext cx="3734173" cy="2492896"/>
+          </a:xfrm>
+          <a:prstGeom prst="rect">
+            <a:avLst/>
+          </a:prstGeom>
+        </p:spPr>
+      </p:pic>
+      <p:pic>
+        <p:nvPicPr>
+          <p:cNvPr id="8" name="Picture 7" descr="barg.png"/>
+          <p:cNvPicPr>
+            <a:picLocks noChangeAspect="1"/>
+          </p:cNvPicPr>
+          <p:nvPr/>
+        </p:nvPicPr>
+        <p:blipFill>
+          <a:blip r:embed="rId3" cstate="print"/>
+          <a:stretch>
+            <a:fillRect/>
+          </a:stretch>
+        </p:blipFill>
+        <p:spPr>
+          <a:xfrm>
+            <a:off x="0" y="1484783"/>
+            <a:ext cx="5958385" cy="3712065"/>
+          </a:xfrm>
+          <a:prstGeom prst="rect">
+            <a:avLst/>
+          </a:prstGeom>
+        </p:spPr>
+      </p:pic>
+    </p:spTree>
+  </p:cSld>
+  <p:clrMapOvr>
+    <a:masterClrMapping/>
+  </p:clrMapOvr>
+  <p:timing>
+    <p:tnLst>
+      <p:par>
+        <p:cTn id="1" dur="indefinite" restart="never" nodeType="tmRoot"/>
+      </p:par>
+    </p:tnLst>
+  </p:timing>
+</p:sld>
+</file>
+
+<file path=ppt/slides/slide4.xml><?xml version="1.0" encoding="utf-8"?>
+<p:sld xmlns:a="http://schemas.openxmlformats.org/drawingml/2006/main" xmlns:r="http://schemas.openxmlformats.org/officeDocument/2006/relationships" xmlns:p="http://schemas.openxmlformats.org/presentationml/2006/main">
+  <p:cSld>
+    <p:spTree>
+      <p:nvGrpSpPr>
+        <p:cNvPr id="1" name=""/>
+        <p:cNvGrpSpPr/>
+        <p:nvPr/>
+      </p:nvGrpSpPr>
+      <p:grpSpPr>
+        <a:xfrm>
+          <a:off x="0" y="0"/>
+          <a:ext cx="0" cy="0"/>
+          <a:chOff x="0" y="0"/>
+          <a:chExt cx="0" cy="0"/>
+        </a:xfrm>
+      </p:grpSpPr>
+      <p:sp>
+        <p:nvSpPr>
+          <p:cNvPr id="2" name="Title 1"/>
+          <p:cNvSpPr>
+            <a:spLocks noGrp="1"/>
+          </p:cNvSpPr>
+          <p:nvPr>
+            <p:ph type="title"/>
+          </p:nvPr>
+        </p:nvSpPr>
+        <p:spPr>
+          <a:xfrm>
             <a:off x="467544" y="404664"/>
             <a:ext cx="8229600" cy="1066800"/>
           </a:xfrm>
@@ -4501,8 +4607,8 @@
         </p:nvSpPr>
         <p:spPr>
           <a:xfrm>
-            <a:off x="6372200" y="4365104"/>
-            <a:ext cx="3456384" cy="246221"/>
+            <a:off x="6660232" y="4365104"/>
+            <a:ext cx="3456384" cy="215444"/>
           </a:xfrm>
           <a:prstGeom prst="rect">
             <a:avLst/>
@@ -4516,10 +4622,46 @@
           <a:lstStyle/>
           <a:p>
             <a:r>
-              <a:rPr lang="en-IN" sz="1000" dirty="0" smtClean="0"/>
+              <a:rPr lang="en-IN" sz="800" dirty="0" smtClean="0"/>
               <a:t>CMR(Crude Mortality Rate</a:t>
             </a:r>
-            <a:endParaRPr lang="en-IN" sz="1000" dirty="0"/>
+            <a:endParaRPr lang="en-IN" sz="800" dirty="0"/>
+          </a:p>
+        </p:txBody>
+      </p:sp>
+      <p:sp>
+        <p:nvSpPr>
+          <p:cNvPr id="8" name="TextBox 7"/>
+          <p:cNvSpPr txBox="1"/>
+          <p:nvPr/>
+        </p:nvSpPr>
+        <p:spPr>
+          <a:xfrm>
+            <a:off x="3419872" y="3933056"/>
+            <a:ext cx="1440160" cy="230832"/>
+          </a:xfrm>
+          <a:prstGeom prst="rect">
+            <a:avLst/>
+          </a:prstGeom>
+          <a:noFill/>
+        </p:spPr>
+        <p:txBody>
+          <a:bodyPr wrap="square" rtlCol="0">
+            <a:spAutoFit/>
+          </a:bodyPr>
+          <a:lstStyle/>
+          <a:p>
+            <a:r>
+              <a:rPr lang="en-IN" sz="900" dirty="0" smtClean="0">
+                <a:latin typeface="Arial" pitchFamily="34" charset="0"/>
+                <a:cs typeface="Arial" pitchFamily="34" charset="0"/>
+              </a:rPr>
+              <a:t>(Till 23 July)</a:t>
+            </a:r>
+            <a:endParaRPr lang="en-IN" sz="900" dirty="0">
+              <a:latin typeface="Arial" pitchFamily="34" charset="0"/>
+              <a:cs typeface="Arial" pitchFamily="34" charset="0"/>
+            </a:endParaRPr>
           </a:p>
         </p:txBody>
       </p:sp>
@@ -4528,10 +4670,17 @@
   <p:clrMapOvr>
     <a:masterClrMapping/>
   </p:clrMapOvr>
+  <p:timing>
+    <p:tnLst>
+      <p:par>
+        <p:cTn id="1" dur="indefinite" restart="never" nodeType="tmRoot"/>
+      </p:par>
+    </p:tnLst>
+  </p:timing>
 </p:sld>
 </file>
 
-<file path=ppt/slides/slide4.xml><?xml version="1.0" encoding="utf-8"?>
+<file path=ppt/slides/slide5.xml><?xml version="1.0" encoding="utf-8"?>
 <p:sld xmlns:a="http://schemas.openxmlformats.org/drawingml/2006/main" xmlns:r="http://schemas.openxmlformats.org/officeDocument/2006/relationships" xmlns:p="http://schemas.openxmlformats.org/presentationml/2006/main">
   <p:cSld>
     <p:bg>
@@ -4610,6 +4759,13 @@
   <p:clrMapOvr>
     <a:masterClrMapping/>
   </p:clrMapOvr>
+  <p:timing>
+    <p:tnLst>
+      <p:par>
+        <p:cTn id="1" dur="indefinite" restart="never" nodeType="tmRoot"/>
+      </p:par>
+    </p:tnLst>
+  </p:timing>
 </p:sld>
 </file>
 
